--- a/section_1/powerpoint_lectures/CDS-SR scRNA-seq workshop_scRNA-seq Analysis_seurat_cell_annotations.pptx
+++ b/section_1/powerpoint_lectures/CDS-SR scRNA-seq workshop_scRNA-seq Analysis_seurat_cell_annotations.pptx
@@ -216,7 +216,7 @@
           <a:p>
             <a:fld id="{C89B18C5-06D8-40B4-8C0D-C9083C1D0B9E}" type="datetimeFigureOut">
               <a:rPr lang="en-US" smtClean="0"/>
-              <a:t>4/17/2022</a:t>
+              <a:t>4/18/2022</a:t>
             </a:fld>
             <a:endParaRPr lang="en-US"/>
           </a:p>
@@ -2436,7 +2436,7 @@
           <a:p>
             <a:fld id="{AB64A648-4531-4A3F-8002-D130FEF8F4BE}" type="datetimeFigureOut">
               <a:rPr lang="en-US" smtClean="0"/>
-              <a:t>4/17/2022</a:t>
+              <a:t>4/18/2022</a:t>
             </a:fld>
             <a:endParaRPr lang="en-US"/>
           </a:p>
@@ -2634,7 +2634,7 @@
           <a:p>
             <a:fld id="{AB64A648-4531-4A3F-8002-D130FEF8F4BE}" type="datetimeFigureOut">
               <a:rPr lang="en-US" smtClean="0"/>
-              <a:t>4/17/2022</a:t>
+              <a:t>4/18/2022</a:t>
             </a:fld>
             <a:endParaRPr lang="en-US"/>
           </a:p>
@@ -2842,7 +2842,7 @@
           <a:p>
             <a:fld id="{AB64A648-4531-4A3F-8002-D130FEF8F4BE}" type="datetimeFigureOut">
               <a:rPr lang="en-US" smtClean="0"/>
-              <a:t>4/17/2022</a:t>
+              <a:t>4/18/2022</a:t>
             </a:fld>
             <a:endParaRPr lang="en-US"/>
           </a:p>
@@ -3040,7 +3040,7 @@
           <a:p>
             <a:fld id="{AB64A648-4531-4A3F-8002-D130FEF8F4BE}" type="datetimeFigureOut">
               <a:rPr lang="en-US" smtClean="0"/>
-              <a:t>4/17/2022</a:t>
+              <a:t>4/18/2022</a:t>
             </a:fld>
             <a:endParaRPr lang="en-US"/>
           </a:p>
@@ -3315,7 +3315,7 @@
           <a:p>
             <a:fld id="{AB64A648-4531-4A3F-8002-D130FEF8F4BE}" type="datetimeFigureOut">
               <a:rPr lang="en-US" smtClean="0"/>
-              <a:t>4/17/2022</a:t>
+              <a:t>4/18/2022</a:t>
             </a:fld>
             <a:endParaRPr lang="en-US"/>
           </a:p>
@@ -3580,7 +3580,7 @@
           <a:p>
             <a:fld id="{AB64A648-4531-4A3F-8002-D130FEF8F4BE}" type="datetimeFigureOut">
               <a:rPr lang="en-US" smtClean="0"/>
-              <a:t>4/17/2022</a:t>
+              <a:t>4/18/2022</a:t>
             </a:fld>
             <a:endParaRPr lang="en-US"/>
           </a:p>
@@ -3992,7 +3992,7 @@
           <a:p>
             <a:fld id="{AB64A648-4531-4A3F-8002-D130FEF8F4BE}" type="datetimeFigureOut">
               <a:rPr lang="en-US" smtClean="0"/>
-              <a:t>4/17/2022</a:t>
+              <a:t>4/18/2022</a:t>
             </a:fld>
             <a:endParaRPr lang="en-US"/>
           </a:p>
@@ -4133,7 +4133,7 @@
           <a:p>
             <a:fld id="{AB64A648-4531-4A3F-8002-D130FEF8F4BE}" type="datetimeFigureOut">
               <a:rPr lang="en-US" smtClean="0"/>
-              <a:t>4/17/2022</a:t>
+              <a:t>4/18/2022</a:t>
             </a:fld>
             <a:endParaRPr lang="en-US"/>
           </a:p>
@@ -4246,7 +4246,7 @@
           <a:p>
             <a:fld id="{AB64A648-4531-4A3F-8002-D130FEF8F4BE}" type="datetimeFigureOut">
               <a:rPr lang="en-US" smtClean="0"/>
-              <a:t>4/17/2022</a:t>
+              <a:t>4/18/2022</a:t>
             </a:fld>
             <a:endParaRPr lang="en-US"/>
           </a:p>
@@ -4557,7 +4557,7 @@
           <a:p>
             <a:fld id="{AB64A648-4531-4A3F-8002-D130FEF8F4BE}" type="datetimeFigureOut">
               <a:rPr lang="en-US" smtClean="0"/>
-              <a:t>4/17/2022</a:t>
+              <a:t>4/18/2022</a:t>
             </a:fld>
             <a:endParaRPr lang="en-US"/>
           </a:p>
@@ -4845,7 +4845,7 @@
           <a:p>
             <a:fld id="{AB64A648-4531-4A3F-8002-D130FEF8F4BE}" type="datetimeFigureOut">
               <a:rPr lang="en-US" smtClean="0"/>
-              <a:t>4/17/2022</a:t>
+              <a:t>4/18/2022</a:t>
             </a:fld>
             <a:endParaRPr lang="en-US"/>
           </a:p>
@@ -5086,7 +5086,7 @@
           <a:p>
             <a:fld id="{AB64A648-4531-4A3F-8002-D130FEF8F4BE}" type="datetimeFigureOut">
               <a:rPr lang="en-US" smtClean="0"/>
-              <a:t>4/17/2022</a:t>
+              <a:t>4/18/2022</a:t>
             </a:fld>
             <a:endParaRPr lang="en-US"/>
           </a:p>
